--- a/pre/Presentation1.pptx
+++ b/pre/Presentation1.pptx
@@ -3434,8 +3434,12 @@
           <a:lstStyle/>
           <a:p>
             <a:r>
+              <a:rPr lang="en-US"/>
+              <a:t>Backward-AIC from all </a:t>
+            </a:r>
+            <a:r>
               <a:rPr lang="en-US" dirty="0"/>
-              <a:t>Backward-AIC all two-way interactions</a:t>
+              <a:t>two-way interactions: </a:t>
             </a:r>
           </a:p>
         </p:txBody>
@@ -4662,7 +4666,23 @@
             <a:endParaRPr lang="en-US" dirty="0"/>
           </a:p>
           <a:p>
+            <a:r>
+              <a:rPr lang="en-US" dirty="0" err="1"/>
+              <a:t>Age_gp</a:t>
+            </a:r>
+            <a:r>
+              <a:rPr lang="en-US" dirty="0"/>
+              <a:t> was used instead of age as a continuous variable</a:t>
+            </a:r>
+          </a:p>
+          <a:p>
             <a:endParaRPr lang="en-US" dirty="0"/>
+          </a:p>
+          <a:p>
+            <a:r>
+              <a:rPr lang="en-US" dirty="0"/>
+              <a:t>Surgery_4w was used in matching</a:t>
+            </a:r>
           </a:p>
         </p:txBody>
       </p:sp>

--- a/pre/Presentation1.pptx
+++ b/pre/Presentation1.pptx
@@ -4,6 +4,9 @@
   <p:sldMasterIdLst>
     <p:sldMasterId id="2147483648" r:id="rId1"/>
   </p:sldMasterIdLst>
+  <p:notesMasterIdLst>
+    <p:notesMasterId r:id="rId14"/>
+  </p:notesMasterIdLst>
   <p:sldIdLst>
     <p:sldId id="256" r:id="rId2"/>
     <p:sldId id="260" r:id="rId3"/>
@@ -11,7 +14,12 @@
     <p:sldId id="259" r:id="rId5"/>
     <p:sldId id="261" r:id="rId6"/>
     <p:sldId id="262" r:id="rId7"/>
-    <p:sldId id="257" r:id="rId8"/>
+    <p:sldId id="263" r:id="rId8"/>
+    <p:sldId id="266" r:id="rId9"/>
+    <p:sldId id="264" r:id="rId10"/>
+    <p:sldId id="265" r:id="rId11"/>
+    <p:sldId id="267" r:id="rId12"/>
+    <p:sldId id="257" r:id="rId13"/>
   </p:sldIdLst>
   <p:sldSz cx="12192000" cy="6858000"/>
   <p:notesSz cx="6858000" cy="9144000"/>
@@ -111,6 +119,442 @@
     </a:lvl9pPr>
   </p:defaultTextStyle>
 </p:presentation>
+</file>
+
+<file path=ppt/notesMasters/notesMaster1.xml><?xml version="1.0" encoding="utf-8"?>
+<p:notesMaster xmlns:a="http://schemas.openxmlformats.org/drawingml/2006/main" xmlns:r="http://schemas.openxmlformats.org/officeDocument/2006/relationships" xmlns:p="http://schemas.openxmlformats.org/presentationml/2006/main">
+  <p:cSld>
+    <p:bg>
+      <p:bgRef idx="1001">
+        <a:schemeClr val="bg1"/>
+      </p:bgRef>
+    </p:bg>
+    <p:spTree>
+      <p:nvGrpSpPr>
+        <p:cNvPr id="1" name=""/>
+        <p:cNvGrpSpPr/>
+        <p:nvPr/>
+      </p:nvGrpSpPr>
+      <p:grpSpPr>
+        <a:xfrm>
+          <a:off x="0" y="0"/>
+          <a:ext cx="0" cy="0"/>
+          <a:chOff x="0" y="0"/>
+          <a:chExt cx="0" cy="0"/>
+        </a:xfrm>
+      </p:grpSpPr>
+      <p:sp>
+        <p:nvSpPr>
+          <p:cNvPr id="2" name="Header Placeholder 1"/>
+          <p:cNvSpPr>
+            <a:spLocks noGrp="1"/>
+          </p:cNvSpPr>
+          <p:nvPr>
+            <p:ph type="hdr" sz="quarter"/>
+          </p:nvPr>
+        </p:nvSpPr>
+        <p:spPr>
+          <a:xfrm>
+            <a:off x="0" y="0"/>
+            <a:ext cx="2971800" cy="458788"/>
+          </a:xfrm>
+          <a:prstGeom prst="rect">
+            <a:avLst/>
+          </a:prstGeom>
+        </p:spPr>
+        <p:txBody>
+          <a:bodyPr vert="horz" lIns="91440" tIns="45720" rIns="91440" bIns="45720" rtlCol="0"/>
+          <a:lstStyle>
+            <a:lvl1pPr algn="l">
+              <a:defRPr sz="1200"/>
+            </a:lvl1pPr>
+          </a:lstStyle>
+          <a:p>
+            <a:endParaRPr lang="en-US"/>
+          </a:p>
+        </p:txBody>
+      </p:sp>
+      <p:sp>
+        <p:nvSpPr>
+          <p:cNvPr id="3" name="Date Placeholder 2"/>
+          <p:cNvSpPr>
+            <a:spLocks noGrp="1"/>
+          </p:cNvSpPr>
+          <p:nvPr>
+            <p:ph type="dt" idx="1"/>
+          </p:nvPr>
+        </p:nvSpPr>
+        <p:spPr>
+          <a:xfrm>
+            <a:off x="3884613" y="0"/>
+            <a:ext cx="2971800" cy="458788"/>
+          </a:xfrm>
+          <a:prstGeom prst="rect">
+            <a:avLst/>
+          </a:prstGeom>
+        </p:spPr>
+        <p:txBody>
+          <a:bodyPr vert="horz" lIns="91440" tIns="45720" rIns="91440" bIns="45720" rtlCol="0"/>
+          <a:lstStyle>
+            <a:lvl1pPr algn="r">
+              <a:defRPr sz="1200"/>
+            </a:lvl1pPr>
+          </a:lstStyle>
+          <a:p>
+            <a:fld id="{5E811682-8E8B-5E4E-B9A8-7C30F3368B82}" type="datetimeFigureOut">
+              <a:rPr lang="en-US" smtClean="0"/>
+              <a:t>6/23/21</a:t>
+            </a:fld>
+            <a:endParaRPr lang="en-US"/>
+          </a:p>
+        </p:txBody>
+      </p:sp>
+      <p:sp>
+        <p:nvSpPr>
+          <p:cNvPr id="4" name="Slide Image Placeholder 3"/>
+          <p:cNvSpPr>
+            <a:spLocks noGrp="1" noRot="1" noChangeAspect="1"/>
+          </p:cNvSpPr>
+          <p:nvPr>
+            <p:ph type="sldImg" idx="2"/>
+          </p:nvPr>
+        </p:nvSpPr>
+        <p:spPr>
+          <a:xfrm>
+            <a:off x="685800" y="1143000"/>
+            <a:ext cx="5486400" cy="3086100"/>
+          </a:xfrm>
+          <a:prstGeom prst="rect">
+            <a:avLst/>
+          </a:prstGeom>
+          <a:noFill/>
+          <a:ln w="12700">
+            <a:solidFill>
+              <a:prstClr val="black"/>
+            </a:solidFill>
+          </a:ln>
+        </p:spPr>
+        <p:txBody>
+          <a:bodyPr vert="horz" lIns="91440" tIns="45720" rIns="91440" bIns="45720" rtlCol="0" anchor="ctr"/>
+          <a:lstStyle/>
+          <a:p>
+            <a:endParaRPr lang="en-US"/>
+          </a:p>
+        </p:txBody>
+      </p:sp>
+      <p:sp>
+        <p:nvSpPr>
+          <p:cNvPr id="5" name="Notes Placeholder 4"/>
+          <p:cNvSpPr>
+            <a:spLocks noGrp="1"/>
+          </p:cNvSpPr>
+          <p:nvPr>
+            <p:ph type="body" sz="quarter" idx="3"/>
+          </p:nvPr>
+        </p:nvSpPr>
+        <p:spPr>
+          <a:xfrm>
+            <a:off x="685800" y="4400550"/>
+            <a:ext cx="5486400" cy="3600450"/>
+          </a:xfrm>
+          <a:prstGeom prst="rect">
+            <a:avLst/>
+          </a:prstGeom>
+        </p:spPr>
+        <p:txBody>
+          <a:bodyPr vert="horz" lIns="91440" tIns="45720" rIns="91440" bIns="45720" rtlCol="0"/>
+          <a:lstStyle/>
+          <a:p>
+            <a:pPr lvl="0"/>
+            <a:r>
+              <a:rPr lang="en-US"/>
+              <a:t>Click to edit Master text styles</a:t>
+            </a:r>
+          </a:p>
+          <a:p>
+            <a:pPr lvl="1"/>
+            <a:r>
+              <a:rPr lang="en-US"/>
+              <a:t>Second level</a:t>
+            </a:r>
+          </a:p>
+          <a:p>
+            <a:pPr lvl="2"/>
+            <a:r>
+              <a:rPr lang="en-US"/>
+              <a:t>Third level</a:t>
+            </a:r>
+          </a:p>
+          <a:p>
+            <a:pPr lvl="3"/>
+            <a:r>
+              <a:rPr lang="en-US"/>
+              <a:t>Fourth level</a:t>
+            </a:r>
+          </a:p>
+          <a:p>
+            <a:pPr lvl="4"/>
+            <a:r>
+              <a:rPr lang="en-US"/>
+              <a:t>Fifth level</a:t>
+            </a:r>
+          </a:p>
+        </p:txBody>
+      </p:sp>
+      <p:sp>
+        <p:nvSpPr>
+          <p:cNvPr id="6" name="Footer Placeholder 5"/>
+          <p:cNvSpPr>
+            <a:spLocks noGrp="1"/>
+          </p:cNvSpPr>
+          <p:nvPr>
+            <p:ph type="ftr" sz="quarter" idx="4"/>
+          </p:nvPr>
+        </p:nvSpPr>
+        <p:spPr>
+          <a:xfrm>
+            <a:off x="0" y="8685213"/>
+            <a:ext cx="2971800" cy="458787"/>
+          </a:xfrm>
+          <a:prstGeom prst="rect">
+            <a:avLst/>
+          </a:prstGeom>
+        </p:spPr>
+        <p:txBody>
+          <a:bodyPr vert="horz" lIns="91440" tIns="45720" rIns="91440" bIns="45720" rtlCol="0" anchor="b"/>
+          <a:lstStyle>
+            <a:lvl1pPr algn="l">
+              <a:defRPr sz="1200"/>
+            </a:lvl1pPr>
+          </a:lstStyle>
+          <a:p>
+            <a:endParaRPr lang="en-US"/>
+          </a:p>
+        </p:txBody>
+      </p:sp>
+      <p:sp>
+        <p:nvSpPr>
+          <p:cNvPr id="7" name="Slide Number Placeholder 6"/>
+          <p:cNvSpPr>
+            <a:spLocks noGrp="1"/>
+          </p:cNvSpPr>
+          <p:nvPr>
+            <p:ph type="sldNum" sz="quarter" idx="5"/>
+          </p:nvPr>
+        </p:nvSpPr>
+        <p:spPr>
+          <a:xfrm>
+            <a:off x="3884613" y="8685213"/>
+            <a:ext cx="2971800" cy="458787"/>
+          </a:xfrm>
+          <a:prstGeom prst="rect">
+            <a:avLst/>
+          </a:prstGeom>
+        </p:spPr>
+        <p:txBody>
+          <a:bodyPr vert="horz" lIns="91440" tIns="45720" rIns="91440" bIns="45720" rtlCol="0" anchor="b"/>
+          <a:lstStyle>
+            <a:lvl1pPr algn="r">
+              <a:defRPr sz="1200"/>
+            </a:lvl1pPr>
+          </a:lstStyle>
+          <a:p>
+            <a:fld id="{BF3D05AB-9D45-1941-95A6-58BCB464EE52}" type="slidenum">
+              <a:rPr lang="en-US" smtClean="0"/>
+              <a:t>‹#›</a:t>
+            </a:fld>
+            <a:endParaRPr lang="en-US"/>
+          </a:p>
+        </p:txBody>
+      </p:sp>
+    </p:spTree>
+    <p:extLst>
+      <p:ext uri="{BB962C8B-B14F-4D97-AF65-F5344CB8AC3E}">
+        <p14:creationId xmlns:p14="http://schemas.microsoft.com/office/powerpoint/2010/main" val="1395346409"/>
+      </p:ext>
+    </p:extLst>
+  </p:cSld>
+  <p:clrMap bg1="lt1" tx1="dk1" bg2="lt2" tx2="dk2" accent1="accent1" accent2="accent2" accent3="accent3" accent4="accent4" accent5="accent5" accent6="accent6" hlink="hlink" folHlink="folHlink"/>
+  <p:notesStyle>
+    <a:lvl1pPr marL="0" algn="l" defTabSz="914400" rtl="0" eaLnBrk="1" latinLnBrk="0" hangingPunct="1">
+      <a:defRPr sz="1200" kern="1200">
+        <a:solidFill>
+          <a:schemeClr val="tx1"/>
+        </a:solidFill>
+        <a:latin typeface="+mn-lt"/>
+        <a:ea typeface="+mn-ea"/>
+        <a:cs typeface="+mn-cs"/>
+      </a:defRPr>
+    </a:lvl1pPr>
+    <a:lvl2pPr marL="457200" algn="l" defTabSz="914400" rtl="0" eaLnBrk="1" latinLnBrk="0" hangingPunct="1">
+      <a:defRPr sz="1200" kern="1200">
+        <a:solidFill>
+          <a:schemeClr val="tx1"/>
+        </a:solidFill>
+        <a:latin typeface="+mn-lt"/>
+        <a:ea typeface="+mn-ea"/>
+        <a:cs typeface="+mn-cs"/>
+      </a:defRPr>
+    </a:lvl2pPr>
+    <a:lvl3pPr marL="914400" algn="l" defTabSz="914400" rtl="0" eaLnBrk="1" latinLnBrk="0" hangingPunct="1">
+      <a:defRPr sz="1200" kern="1200">
+        <a:solidFill>
+          <a:schemeClr val="tx1"/>
+        </a:solidFill>
+        <a:latin typeface="+mn-lt"/>
+        <a:ea typeface="+mn-ea"/>
+        <a:cs typeface="+mn-cs"/>
+      </a:defRPr>
+    </a:lvl3pPr>
+    <a:lvl4pPr marL="1371600" algn="l" defTabSz="914400" rtl="0" eaLnBrk="1" latinLnBrk="0" hangingPunct="1">
+      <a:defRPr sz="1200" kern="1200">
+        <a:solidFill>
+          <a:schemeClr val="tx1"/>
+        </a:solidFill>
+        <a:latin typeface="+mn-lt"/>
+        <a:ea typeface="+mn-ea"/>
+        <a:cs typeface="+mn-cs"/>
+      </a:defRPr>
+    </a:lvl4pPr>
+    <a:lvl5pPr marL="1828800" algn="l" defTabSz="914400" rtl="0" eaLnBrk="1" latinLnBrk="0" hangingPunct="1">
+      <a:defRPr sz="1200" kern="1200">
+        <a:solidFill>
+          <a:schemeClr val="tx1"/>
+        </a:solidFill>
+        <a:latin typeface="+mn-lt"/>
+        <a:ea typeface="+mn-ea"/>
+        <a:cs typeface="+mn-cs"/>
+      </a:defRPr>
+    </a:lvl5pPr>
+    <a:lvl6pPr marL="2286000" algn="l" defTabSz="914400" rtl="0" eaLnBrk="1" latinLnBrk="0" hangingPunct="1">
+      <a:defRPr sz="1200" kern="1200">
+        <a:solidFill>
+          <a:schemeClr val="tx1"/>
+        </a:solidFill>
+        <a:latin typeface="+mn-lt"/>
+        <a:ea typeface="+mn-ea"/>
+        <a:cs typeface="+mn-cs"/>
+      </a:defRPr>
+    </a:lvl6pPr>
+    <a:lvl7pPr marL="2743200" algn="l" defTabSz="914400" rtl="0" eaLnBrk="1" latinLnBrk="0" hangingPunct="1">
+      <a:defRPr sz="1200" kern="1200">
+        <a:solidFill>
+          <a:schemeClr val="tx1"/>
+        </a:solidFill>
+        <a:latin typeface="+mn-lt"/>
+        <a:ea typeface="+mn-ea"/>
+        <a:cs typeface="+mn-cs"/>
+      </a:defRPr>
+    </a:lvl7pPr>
+    <a:lvl8pPr marL="3200400" algn="l" defTabSz="914400" rtl="0" eaLnBrk="1" latinLnBrk="0" hangingPunct="1">
+      <a:defRPr sz="1200" kern="1200">
+        <a:solidFill>
+          <a:schemeClr val="tx1"/>
+        </a:solidFill>
+        <a:latin typeface="+mn-lt"/>
+        <a:ea typeface="+mn-ea"/>
+        <a:cs typeface="+mn-cs"/>
+      </a:defRPr>
+    </a:lvl8pPr>
+    <a:lvl9pPr marL="3657600" algn="l" defTabSz="914400" rtl="0" eaLnBrk="1" latinLnBrk="0" hangingPunct="1">
+      <a:defRPr sz="1200" kern="1200">
+        <a:solidFill>
+          <a:schemeClr val="tx1"/>
+        </a:solidFill>
+        <a:latin typeface="+mn-lt"/>
+        <a:ea typeface="+mn-ea"/>
+        <a:cs typeface="+mn-cs"/>
+      </a:defRPr>
+    </a:lvl9pPr>
+  </p:notesStyle>
+</p:notesMaster>
+</file>
+
+<file path=ppt/notesSlides/notesSlide1.xml><?xml version="1.0" encoding="utf-8"?>
+<p:notes xmlns:a="http://schemas.openxmlformats.org/drawingml/2006/main" xmlns:r="http://schemas.openxmlformats.org/officeDocument/2006/relationships" xmlns:p="http://schemas.openxmlformats.org/presentationml/2006/main">
+  <p:cSld>
+    <p:spTree>
+      <p:nvGrpSpPr>
+        <p:cNvPr id="1" name=""/>
+        <p:cNvGrpSpPr/>
+        <p:nvPr/>
+      </p:nvGrpSpPr>
+      <p:grpSpPr>
+        <a:xfrm>
+          <a:off x="0" y="0"/>
+          <a:ext cx="0" cy="0"/>
+          <a:chOff x="0" y="0"/>
+          <a:chExt cx="0" cy="0"/>
+        </a:xfrm>
+      </p:grpSpPr>
+      <p:sp>
+        <p:nvSpPr>
+          <p:cNvPr id="2" name="Slide Image Placeholder 1"/>
+          <p:cNvSpPr>
+            <a:spLocks noGrp="1" noRot="1" noChangeAspect="1"/>
+          </p:cNvSpPr>
+          <p:nvPr>
+            <p:ph type="sldImg"/>
+          </p:nvPr>
+        </p:nvSpPr>
+        <p:spPr/>
+      </p:sp>
+      <p:sp>
+        <p:nvSpPr>
+          <p:cNvPr id="3" name="Notes Placeholder 2"/>
+          <p:cNvSpPr>
+            <a:spLocks noGrp="1"/>
+          </p:cNvSpPr>
+          <p:nvPr>
+            <p:ph type="body" idx="1"/>
+          </p:nvPr>
+        </p:nvSpPr>
+        <p:spPr/>
+        <p:txBody>
+          <a:bodyPr/>
+          <a:lstStyle/>
+          <a:p>
+            <a:r>
+              <a:rPr lang="en-US" dirty="0"/>
+              <a:t>Missing whether to present it in the table</a:t>
+            </a:r>
+          </a:p>
+        </p:txBody>
+      </p:sp>
+      <p:sp>
+        <p:nvSpPr>
+          <p:cNvPr id="4" name="Slide Number Placeholder 3"/>
+          <p:cNvSpPr>
+            <a:spLocks noGrp="1"/>
+          </p:cNvSpPr>
+          <p:nvPr>
+            <p:ph type="sldNum" sz="quarter" idx="5"/>
+          </p:nvPr>
+        </p:nvSpPr>
+        <p:spPr/>
+        <p:txBody>
+          <a:bodyPr/>
+          <a:lstStyle/>
+          <a:p>
+            <a:fld id="{BF3D05AB-9D45-1941-95A6-58BCB464EE52}" type="slidenum">
+              <a:rPr lang="en-US" smtClean="0"/>
+              <a:t>8</a:t>
+            </a:fld>
+            <a:endParaRPr lang="en-US"/>
+          </a:p>
+        </p:txBody>
+      </p:sp>
+    </p:spTree>
+    <p:extLst>
+      <p:ext uri="{BB962C8B-B14F-4D97-AF65-F5344CB8AC3E}">
+        <p14:creationId xmlns:p14="http://schemas.microsoft.com/office/powerpoint/2010/main" val="3598989225"/>
+      </p:ext>
+    </p:extLst>
+  </p:cSld>
+  <p:clrMapOvr>
+    <a:masterClrMapping/>
+  </p:clrMapOvr>
+</p:notes>
 </file>
 
 <file path=ppt/slideLayouts/slideLayout1.xml><?xml version="1.0" encoding="utf-8"?>
@@ -3390,6 +3834,396 @@
 </p:sld>
 </file>
 
+<file path=ppt/slides/slide10.xml><?xml version="1.0" encoding="utf-8"?>
+<p:sld xmlns:a="http://schemas.openxmlformats.org/drawingml/2006/main" xmlns:r="http://schemas.openxmlformats.org/officeDocument/2006/relationships" xmlns:p="http://schemas.openxmlformats.org/presentationml/2006/main">
+  <p:cSld>
+    <p:spTree>
+      <p:nvGrpSpPr>
+        <p:cNvPr id="1" name=""/>
+        <p:cNvGrpSpPr/>
+        <p:nvPr/>
+      </p:nvGrpSpPr>
+      <p:grpSpPr>
+        <a:xfrm>
+          <a:off x="0" y="0"/>
+          <a:ext cx="0" cy="0"/>
+          <a:chOff x="0" y="0"/>
+          <a:chExt cx="0" cy="0"/>
+        </a:xfrm>
+      </p:grpSpPr>
+      <p:sp>
+        <p:nvSpPr>
+          <p:cNvPr id="2" name="Title 1">
+            <a:extLst>
+              <a:ext uri="{FF2B5EF4-FFF2-40B4-BE49-F238E27FC236}">
+                <a16:creationId xmlns:a16="http://schemas.microsoft.com/office/drawing/2014/main" id="{287EE47E-7187-5448-A3DB-EA347001684B}"/>
+              </a:ext>
+            </a:extLst>
+          </p:cNvPr>
+          <p:cNvSpPr>
+            <a:spLocks noGrp="1"/>
+          </p:cNvSpPr>
+          <p:nvPr>
+            <p:ph type="title"/>
+          </p:nvPr>
+        </p:nvSpPr>
+        <p:spPr/>
+        <p:txBody>
+          <a:bodyPr/>
+          <a:lstStyle/>
+          <a:p>
+            <a:endParaRPr lang="en-US"/>
+          </a:p>
+        </p:txBody>
+      </p:sp>
+      <p:pic>
+        <p:nvPicPr>
+          <p:cNvPr id="4" name="Content Placeholder 3">
+            <a:extLst>
+              <a:ext uri="{FF2B5EF4-FFF2-40B4-BE49-F238E27FC236}">
+                <a16:creationId xmlns:a16="http://schemas.microsoft.com/office/drawing/2014/main" id="{0DD8987D-CC57-7B40-B7FF-62D274753567}"/>
+              </a:ext>
+            </a:extLst>
+          </p:cNvPr>
+          <p:cNvPicPr>
+            <a:picLocks noGrp="1" noChangeAspect="1"/>
+          </p:cNvPicPr>
+          <p:nvPr>
+            <p:ph idx="1"/>
+          </p:nvPr>
+        </p:nvPicPr>
+        <p:blipFill>
+          <a:blip r:embed="rId2"/>
+          <a:stretch>
+            <a:fillRect/>
+          </a:stretch>
+        </p:blipFill>
+        <p:spPr>
+          <a:xfrm>
+            <a:off x="5452398" y="2799736"/>
+            <a:ext cx="6258492" cy="3752264"/>
+          </a:xfrm>
+          <a:prstGeom prst="rect">
+            <a:avLst/>
+          </a:prstGeom>
+        </p:spPr>
+      </p:pic>
+      <p:pic>
+        <p:nvPicPr>
+          <p:cNvPr id="5" name="Picture 4" descr="Graphical user interface, text, application&#10;&#10;Description automatically generated">
+            <a:extLst>
+              <a:ext uri="{FF2B5EF4-FFF2-40B4-BE49-F238E27FC236}">
+                <a16:creationId xmlns:a16="http://schemas.microsoft.com/office/drawing/2014/main" id="{95797652-26BA-4C45-995F-76939D4358FD}"/>
+              </a:ext>
+            </a:extLst>
+          </p:cNvPr>
+          <p:cNvPicPr>
+            <a:picLocks noChangeAspect="1"/>
+          </p:cNvPicPr>
+          <p:nvPr/>
+        </p:nvPicPr>
+        <p:blipFill>
+          <a:blip r:embed="rId3"/>
+          <a:stretch>
+            <a:fillRect/>
+          </a:stretch>
+        </p:blipFill>
+        <p:spPr>
+          <a:xfrm>
+            <a:off x="0" y="230494"/>
+            <a:ext cx="12192000" cy="2434611"/>
+          </a:xfrm>
+          <a:prstGeom prst="rect">
+            <a:avLst/>
+          </a:prstGeom>
+        </p:spPr>
+      </p:pic>
+      <p:sp>
+        <p:nvSpPr>
+          <p:cNvPr id="6" name="TextBox 5">
+            <a:extLst>
+              <a:ext uri="{FF2B5EF4-FFF2-40B4-BE49-F238E27FC236}">
+                <a16:creationId xmlns:a16="http://schemas.microsoft.com/office/drawing/2014/main" id="{B3314B44-4442-4648-B154-F9FF2DA880B6}"/>
+              </a:ext>
+            </a:extLst>
+          </p:cNvPr>
+          <p:cNvSpPr txBox="1"/>
+          <p:nvPr/>
+        </p:nvSpPr>
+        <p:spPr>
+          <a:xfrm>
+            <a:off x="233082" y="4365812"/>
+            <a:ext cx="2456330" cy="2246769"/>
+          </a:xfrm>
+          <a:prstGeom prst="rect">
+            <a:avLst/>
+          </a:prstGeom>
+          <a:noFill/>
+        </p:spPr>
+        <p:txBody>
+          <a:bodyPr wrap="square" rtlCol="0">
+            <a:spAutoFit/>
+          </a:bodyPr>
+          <a:lstStyle/>
+          <a:p>
+            <a:r>
+              <a:rPr lang="en-US" sz="2800" dirty="0"/>
+              <a:t>Survival analysis (time-to-event calculation is questionable)</a:t>
+            </a:r>
+          </a:p>
+        </p:txBody>
+      </p:sp>
+    </p:spTree>
+    <p:extLst>
+      <p:ext uri="{BB962C8B-B14F-4D97-AF65-F5344CB8AC3E}">
+        <p14:creationId xmlns:p14="http://schemas.microsoft.com/office/powerpoint/2010/main" val="536212753"/>
+      </p:ext>
+    </p:extLst>
+  </p:cSld>
+  <p:clrMapOvr>
+    <a:masterClrMapping/>
+  </p:clrMapOvr>
+</p:sld>
+</file>
+
+<file path=ppt/slides/slide11.xml><?xml version="1.0" encoding="utf-8"?>
+<p:sld xmlns:a="http://schemas.openxmlformats.org/drawingml/2006/main" xmlns:r="http://schemas.openxmlformats.org/officeDocument/2006/relationships" xmlns:p="http://schemas.openxmlformats.org/presentationml/2006/main">
+  <p:cSld>
+    <p:spTree>
+      <p:nvGrpSpPr>
+        <p:cNvPr id="1" name=""/>
+        <p:cNvGrpSpPr/>
+        <p:nvPr/>
+      </p:nvGrpSpPr>
+      <p:grpSpPr>
+        <a:xfrm>
+          <a:off x="0" y="0"/>
+          <a:ext cx="0" cy="0"/>
+          <a:chOff x="0" y="0"/>
+          <a:chExt cx="0" cy="0"/>
+        </a:xfrm>
+      </p:grpSpPr>
+      <p:sp>
+        <p:nvSpPr>
+          <p:cNvPr id="2" name="Title 1">
+            <a:extLst>
+              <a:ext uri="{FF2B5EF4-FFF2-40B4-BE49-F238E27FC236}">
+                <a16:creationId xmlns:a16="http://schemas.microsoft.com/office/drawing/2014/main" id="{8B2166DF-AE7D-8D4C-B9EE-4C7A7CFC8887}"/>
+              </a:ext>
+            </a:extLst>
+          </p:cNvPr>
+          <p:cNvSpPr>
+            <a:spLocks noGrp="1"/>
+          </p:cNvSpPr>
+          <p:nvPr>
+            <p:ph type="title"/>
+          </p:nvPr>
+        </p:nvSpPr>
+        <p:spPr/>
+        <p:txBody>
+          <a:bodyPr/>
+          <a:lstStyle/>
+          <a:p>
+            <a:r>
+              <a:rPr lang="en-US" dirty="0"/>
+              <a:t>Cancer subgroup analysis</a:t>
+            </a:r>
+          </a:p>
+        </p:txBody>
+      </p:sp>
+      <p:sp>
+        <p:nvSpPr>
+          <p:cNvPr id="3" name="Content Placeholder 2">
+            <a:extLst>
+              <a:ext uri="{FF2B5EF4-FFF2-40B4-BE49-F238E27FC236}">
+                <a16:creationId xmlns:a16="http://schemas.microsoft.com/office/drawing/2014/main" id="{35B839C4-61D0-CE40-9E8C-5005798E002D}"/>
+              </a:ext>
+            </a:extLst>
+          </p:cNvPr>
+          <p:cNvSpPr>
+            <a:spLocks noGrp="1"/>
+          </p:cNvSpPr>
+          <p:nvPr>
+            <p:ph idx="1"/>
+          </p:nvPr>
+        </p:nvSpPr>
+        <p:spPr/>
+        <p:txBody>
+          <a:bodyPr/>
+          <a:lstStyle/>
+          <a:p>
+            <a:r>
+              <a:rPr lang="en-US"/>
+              <a:t>One or two </a:t>
+            </a:r>
+            <a:r>
+              <a:rPr lang="en-US" dirty="0"/>
+              <a:t>table</a:t>
+            </a:r>
+          </a:p>
+        </p:txBody>
+      </p:sp>
+    </p:spTree>
+    <p:extLst>
+      <p:ext uri="{BB962C8B-B14F-4D97-AF65-F5344CB8AC3E}">
+        <p14:creationId xmlns:p14="http://schemas.microsoft.com/office/powerpoint/2010/main" val="2459089285"/>
+      </p:ext>
+    </p:extLst>
+  </p:cSld>
+  <p:clrMapOvr>
+    <a:masterClrMapping/>
+  </p:clrMapOvr>
+</p:sld>
+</file>
+
+<file path=ppt/slides/slide12.xml><?xml version="1.0" encoding="utf-8"?>
+<p:sld xmlns:a="http://schemas.openxmlformats.org/drawingml/2006/main" xmlns:r="http://schemas.openxmlformats.org/officeDocument/2006/relationships" xmlns:p="http://schemas.openxmlformats.org/presentationml/2006/main">
+  <p:cSld>
+    <p:spTree>
+      <p:nvGrpSpPr>
+        <p:cNvPr id="1" name=""/>
+        <p:cNvGrpSpPr/>
+        <p:nvPr/>
+      </p:nvGrpSpPr>
+      <p:grpSpPr>
+        <a:xfrm>
+          <a:off x="0" y="0"/>
+          <a:ext cx="0" cy="0"/>
+          <a:chOff x="0" y="0"/>
+          <a:chExt cx="0" cy="0"/>
+        </a:xfrm>
+      </p:grpSpPr>
+      <p:sp>
+        <p:nvSpPr>
+          <p:cNvPr id="2" name="Title 1">
+            <a:extLst>
+              <a:ext uri="{FF2B5EF4-FFF2-40B4-BE49-F238E27FC236}">
+                <a16:creationId xmlns:a16="http://schemas.microsoft.com/office/drawing/2014/main" id="{7FD45F99-E9B7-894B-AC12-16295282DB91}"/>
+              </a:ext>
+            </a:extLst>
+          </p:cNvPr>
+          <p:cNvSpPr>
+            <a:spLocks noGrp="1"/>
+          </p:cNvSpPr>
+          <p:nvPr>
+            <p:ph type="title"/>
+          </p:nvPr>
+        </p:nvSpPr>
+        <p:spPr/>
+        <p:txBody>
+          <a:bodyPr/>
+          <a:lstStyle/>
+          <a:p>
+            <a:r>
+              <a:rPr lang="en-US" dirty="0"/>
+              <a:t>Few modification</a:t>
+            </a:r>
+          </a:p>
+        </p:txBody>
+      </p:sp>
+      <p:sp>
+        <p:nvSpPr>
+          <p:cNvPr id="3" name="Content Placeholder 2">
+            <a:extLst>
+              <a:ext uri="{FF2B5EF4-FFF2-40B4-BE49-F238E27FC236}">
+                <a16:creationId xmlns:a16="http://schemas.microsoft.com/office/drawing/2014/main" id="{AEF9AFDC-7A7E-9945-BD91-0543540385C9}"/>
+              </a:ext>
+            </a:extLst>
+          </p:cNvPr>
+          <p:cNvSpPr>
+            <a:spLocks noGrp="1"/>
+          </p:cNvSpPr>
+          <p:nvPr>
+            <p:ph idx="1"/>
+          </p:nvPr>
+        </p:nvSpPr>
+        <p:spPr/>
+        <p:txBody>
+          <a:bodyPr/>
+          <a:lstStyle/>
+          <a:p>
+            <a:r>
+              <a:rPr lang="en-US" dirty="0"/>
+              <a:t> use </a:t>
+            </a:r>
+            <a:r>
+              <a:rPr lang="en-US" dirty="0" err="1"/>
+              <a:t>n_comorbity_gp</a:t>
+            </a:r>
+            <a:r>
+              <a:rPr lang="en-US" dirty="0"/>
+              <a:t>, </a:t>
+            </a:r>
+            <a:r>
+              <a:rPr lang="en-US" dirty="0" err="1"/>
+              <a:t>n_posi_comorb_gp</a:t>
+            </a:r>
+            <a:r>
+              <a:rPr lang="en-US" dirty="0"/>
+              <a:t> as categorical variable instead of </a:t>
+            </a:r>
+            <a:r>
+              <a:rPr lang="en-US" dirty="0" err="1"/>
+              <a:t>n_comorbity</a:t>
+            </a:r>
+            <a:r>
+              <a:rPr lang="en-US" dirty="0"/>
+              <a:t>, </a:t>
+            </a:r>
+            <a:r>
+              <a:rPr lang="en-US" dirty="0" err="1"/>
+              <a:t>n_posi</a:t>
+            </a:r>
+            <a:r>
+              <a:rPr lang="en-US" dirty="0"/>
+              <a:t>_ </a:t>
+            </a:r>
+            <a:r>
+              <a:rPr lang="en-US" dirty="0" err="1"/>
+              <a:t>comorb</a:t>
+            </a:r>
+            <a:r>
+              <a:rPr lang="en-US" dirty="0"/>
+              <a:t> as continuous variable</a:t>
+            </a:r>
+          </a:p>
+          <a:p>
+            <a:endParaRPr lang="en-US" dirty="0"/>
+          </a:p>
+          <a:p>
+            <a:r>
+              <a:rPr lang="en-US" dirty="0" err="1"/>
+              <a:t>Age_gp</a:t>
+            </a:r>
+            <a:r>
+              <a:rPr lang="en-US" dirty="0"/>
+              <a:t> was used instead of age as a continuous variable</a:t>
+            </a:r>
+          </a:p>
+          <a:p>
+            <a:endParaRPr lang="en-US" dirty="0"/>
+          </a:p>
+          <a:p>
+            <a:r>
+              <a:rPr lang="en-US" dirty="0"/>
+              <a:t>Surgery_4w was used in matching</a:t>
+            </a:r>
+          </a:p>
+        </p:txBody>
+      </p:sp>
+    </p:spTree>
+    <p:extLst>
+      <p:ext uri="{BB962C8B-B14F-4D97-AF65-F5344CB8AC3E}">
+        <p14:creationId xmlns:p14="http://schemas.microsoft.com/office/powerpoint/2010/main" val="1763765127"/>
+      </p:ext>
+    </p:extLst>
+  </p:cSld>
+  <p:clrMapOvr>
+    <a:masterClrMapping/>
+  </p:clrMapOvr>
+</p:sld>
+</file>
+
 <file path=ppt/slides/slide2.xml><?xml version="1.0" encoding="utf-8"?>
 <p:sld xmlns:a="http://schemas.openxmlformats.org/drawingml/2006/main" xmlns:r="http://schemas.openxmlformats.org/officeDocument/2006/relationships" xmlns:p="http://schemas.openxmlformats.org/presentationml/2006/main">
   <p:cSld>
@@ -3434,12 +4268,8 @@
           <a:lstStyle/>
           <a:p>
             <a:r>
-              <a:rPr lang="en-US"/>
-              <a:t>Backward-AIC from all </a:t>
-            </a:r>
-            <a:r>
               <a:rPr lang="en-US" dirty="0"/>
-              <a:t>two-way interactions: </a:t>
+              <a:t>Backward-AIC from all two-way interactions: </a:t>
             </a:r>
           </a:p>
         </p:txBody>
@@ -3580,6 +4410,95 @@
           </a:p>
         </p:txBody>
       </p:sp>
+      <p:sp>
+        <p:nvSpPr>
+          <p:cNvPr id="7" name="TextBox 6">
+            <a:extLst>
+              <a:ext uri="{FF2B5EF4-FFF2-40B4-BE49-F238E27FC236}">
+                <a16:creationId xmlns:a16="http://schemas.microsoft.com/office/drawing/2014/main" id="{E5D61555-250D-F949-A9CC-E640CBC3E552}"/>
+              </a:ext>
+            </a:extLst>
+          </p:cNvPr>
+          <p:cNvSpPr txBox="1"/>
+          <p:nvPr/>
+        </p:nvSpPr>
+        <p:spPr>
+          <a:xfrm>
+            <a:off x="9179859" y="2294965"/>
+            <a:ext cx="1474694" cy="4247317"/>
+          </a:xfrm>
+          <a:prstGeom prst="rect">
+            <a:avLst/>
+          </a:prstGeom>
+          <a:noFill/>
+        </p:spPr>
+        <p:txBody>
+          <a:bodyPr wrap="square" rtlCol="0">
+            <a:spAutoFit/>
+          </a:bodyPr>
+          <a:lstStyle/>
+          <a:p>
+            <a:r>
+              <a:rPr lang="en-US" dirty="0"/>
+              <a:t>50-65: exp(1.457 – 0.903) = 1.74</a:t>
+            </a:r>
+          </a:p>
+          <a:p>
+            <a:endParaRPr lang="en-US" dirty="0"/>
+          </a:p>
+          <a:p>
+            <a:r>
+              <a:rPr lang="en-US" dirty="0"/>
+              <a:t>65-75: exp(1.457 – 1.337) = 1.127</a:t>
+            </a:r>
+          </a:p>
+          <a:p>
+            <a:endParaRPr lang="en-US" dirty="0"/>
+          </a:p>
+          <a:p>
+            <a:r>
+              <a:rPr lang="en-US" dirty="0"/>
+              <a:t>&gt;= 75: exp(1.457 – 1.520) = 1</a:t>
+            </a:r>
+          </a:p>
+          <a:p>
+            <a:r>
+              <a:rPr lang="en-US" dirty="0"/>
+              <a:t>Maybe remove this one?</a:t>
+            </a:r>
+          </a:p>
+        </p:txBody>
+      </p:sp>
+      <p:pic>
+        <p:nvPicPr>
+          <p:cNvPr id="8" name="Picture 7">
+            <a:extLst>
+              <a:ext uri="{FF2B5EF4-FFF2-40B4-BE49-F238E27FC236}">
+                <a16:creationId xmlns:a16="http://schemas.microsoft.com/office/drawing/2014/main" id="{E9969EC8-5DC3-DC49-A9B8-A18EA283302B}"/>
+              </a:ext>
+            </a:extLst>
+          </p:cNvPr>
+          <p:cNvPicPr>
+            <a:picLocks noChangeAspect="1"/>
+          </p:cNvPicPr>
+          <p:nvPr/>
+        </p:nvPicPr>
+        <p:blipFill>
+          <a:blip r:embed="rId3"/>
+          <a:stretch>
+            <a:fillRect/>
+          </a:stretch>
+        </p:blipFill>
+        <p:spPr>
+          <a:xfrm>
+            <a:off x="8722659" y="1359460"/>
+            <a:ext cx="3260351" cy="935139"/>
+          </a:xfrm>
+          <a:prstGeom prst="rect">
+            <a:avLst/>
+          </a:prstGeom>
+        </p:spPr>
+      </p:pic>
     </p:spTree>
     <p:extLst>
       <p:ext uri="{BB962C8B-B14F-4D97-AF65-F5344CB8AC3E}">
@@ -4573,7 +5492,7 @@
           <p:cNvPr id="2" name="Title 1">
             <a:extLst>
               <a:ext uri="{FF2B5EF4-FFF2-40B4-BE49-F238E27FC236}">
-                <a16:creationId xmlns:a16="http://schemas.microsoft.com/office/drawing/2014/main" id="{7FD45F99-E9B7-894B-AC12-16295282DB91}"/>
+                <a16:creationId xmlns:a16="http://schemas.microsoft.com/office/drawing/2014/main" id="{B3631A32-781C-8D43-9EA6-DB03BA1A4476}"/>
               </a:ext>
             </a:extLst>
           </p:cNvPr>
@@ -4589,107 +5508,417 @@
           <a:bodyPr/>
           <a:lstStyle/>
           <a:p>
-            <a:r>
-              <a:rPr lang="en-US" dirty="0"/>
-              <a:t>Few modification</a:t>
-            </a:r>
-          </a:p>
-        </p:txBody>
-      </p:sp>
-      <p:sp>
-        <p:nvSpPr>
-          <p:cNvPr id="3" name="Content Placeholder 2">
-            <a:extLst>
-              <a:ext uri="{FF2B5EF4-FFF2-40B4-BE49-F238E27FC236}">
-                <a16:creationId xmlns:a16="http://schemas.microsoft.com/office/drawing/2014/main" id="{AEF9AFDC-7A7E-9945-BD91-0543540385C9}"/>
-              </a:ext>
-            </a:extLst>
-          </p:cNvPr>
-          <p:cNvSpPr>
-            <a:spLocks noGrp="1"/>
-          </p:cNvSpPr>
+            <a:endParaRPr lang="en-US"/>
+          </a:p>
+        </p:txBody>
+      </p:sp>
+      <p:pic>
+        <p:nvPicPr>
+          <p:cNvPr id="4" name="Content Placeholder 3">
+            <a:extLst>
+              <a:ext uri="{FF2B5EF4-FFF2-40B4-BE49-F238E27FC236}">
+                <a16:creationId xmlns:a16="http://schemas.microsoft.com/office/drawing/2014/main" id="{09E47D88-A3CD-B547-8E25-CE66F61D8B5E}"/>
+              </a:ext>
+            </a:extLst>
+          </p:cNvPr>
+          <p:cNvPicPr>
+            <a:picLocks noGrp="1" noChangeAspect="1"/>
+          </p:cNvPicPr>
           <p:nvPr>
             <p:ph idx="1"/>
           </p:nvPr>
-        </p:nvSpPr>
-        <p:spPr/>
-        <p:txBody>
-          <a:bodyPr/>
-          <a:lstStyle/>
-          <a:p>
-            <a:r>
-              <a:rPr lang="en-US" dirty="0"/>
-              <a:t> use </a:t>
-            </a:r>
-            <a:r>
-              <a:rPr lang="en-US" dirty="0" err="1"/>
-              <a:t>n_comorbity_gp</a:t>
-            </a:r>
-            <a:r>
-              <a:rPr lang="en-US" dirty="0"/>
-              <a:t>, </a:t>
-            </a:r>
-            <a:r>
-              <a:rPr lang="en-US" dirty="0" err="1"/>
-              <a:t>n_posi_comorb_gp</a:t>
-            </a:r>
-            <a:r>
-              <a:rPr lang="en-US" dirty="0"/>
-              <a:t> as categorical variable instead of </a:t>
-            </a:r>
-            <a:r>
-              <a:rPr lang="en-US" dirty="0" err="1"/>
-              <a:t>n_comorbity</a:t>
-            </a:r>
-            <a:r>
-              <a:rPr lang="en-US" dirty="0"/>
-              <a:t>, </a:t>
-            </a:r>
-            <a:r>
-              <a:rPr lang="en-US" dirty="0" err="1"/>
-              <a:t>n_posi</a:t>
-            </a:r>
-            <a:r>
-              <a:rPr lang="en-US" dirty="0"/>
-              <a:t>_ </a:t>
-            </a:r>
-            <a:r>
-              <a:rPr lang="en-US" dirty="0" err="1"/>
-              <a:t>comorb</a:t>
-            </a:r>
-            <a:r>
-              <a:rPr lang="en-US" dirty="0"/>
-              <a:t> as continuous variable</a:t>
-            </a:r>
-          </a:p>
-          <a:p>
-            <a:endParaRPr lang="en-US" dirty="0"/>
-          </a:p>
-          <a:p>
-            <a:r>
-              <a:rPr lang="en-US" dirty="0" err="1"/>
-              <a:t>Age_gp</a:t>
-            </a:r>
-            <a:r>
-              <a:rPr lang="en-US" dirty="0"/>
-              <a:t> was used instead of age as a continuous variable</a:t>
-            </a:r>
-          </a:p>
-          <a:p>
-            <a:endParaRPr lang="en-US" dirty="0"/>
-          </a:p>
-          <a:p>
-            <a:r>
-              <a:rPr lang="en-US" dirty="0"/>
-              <a:t>Surgery_4w was used in matching</a:t>
-            </a:r>
-          </a:p>
-        </p:txBody>
-      </p:sp>
+        </p:nvPicPr>
+        <p:blipFill>
+          <a:blip r:embed="rId2"/>
+          <a:stretch>
+            <a:fillRect/>
+          </a:stretch>
+        </p:blipFill>
+        <p:spPr>
+          <a:xfrm>
+            <a:off x="525684" y="1843554"/>
+            <a:ext cx="7052726" cy="4351338"/>
+          </a:xfrm>
+          <a:prstGeom prst="rect">
+            <a:avLst/>
+          </a:prstGeom>
+        </p:spPr>
+      </p:pic>
+      <p:pic>
+        <p:nvPicPr>
+          <p:cNvPr id="5" name="Picture 4">
+            <a:extLst>
+              <a:ext uri="{FF2B5EF4-FFF2-40B4-BE49-F238E27FC236}">
+                <a16:creationId xmlns:a16="http://schemas.microsoft.com/office/drawing/2014/main" id="{EE8870BF-4DFE-3343-89A0-8DD746E5ADCB}"/>
+              </a:ext>
+            </a:extLst>
+          </p:cNvPr>
+          <p:cNvPicPr>
+            <a:picLocks noChangeAspect="1"/>
+          </p:cNvPicPr>
+          <p:nvPr/>
+        </p:nvPicPr>
+        <p:blipFill>
+          <a:blip r:embed="rId3"/>
+          <a:stretch>
+            <a:fillRect/>
+          </a:stretch>
+        </p:blipFill>
+        <p:spPr>
+          <a:xfrm>
+            <a:off x="8153026" y="2359585"/>
+            <a:ext cx="3111500" cy="1816100"/>
+          </a:xfrm>
+          <a:prstGeom prst="rect">
+            <a:avLst/>
+          </a:prstGeom>
+        </p:spPr>
+      </p:pic>
     </p:spTree>
     <p:extLst>
       <p:ext uri="{BB962C8B-B14F-4D97-AF65-F5344CB8AC3E}">
-        <p14:creationId xmlns:p14="http://schemas.microsoft.com/office/powerpoint/2010/main" val="1763765127"/>
+        <p14:creationId xmlns:p14="http://schemas.microsoft.com/office/powerpoint/2010/main" val="4197805790"/>
+      </p:ext>
+    </p:extLst>
+  </p:cSld>
+  <p:clrMapOvr>
+    <a:masterClrMapping/>
+  </p:clrMapOvr>
+</p:sld>
+</file>
+
+<file path=ppt/slides/slide8.xml><?xml version="1.0" encoding="utf-8"?>
+<p:sld xmlns:a="http://schemas.openxmlformats.org/drawingml/2006/main" xmlns:r="http://schemas.openxmlformats.org/officeDocument/2006/relationships" xmlns:p="http://schemas.openxmlformats.org/presentationml/2006/main">
+  <p:cSld>
+    <p:spTree>
+      <p:nvGrpSpPr>
+        <p:cNvPr id="1" name=""/>
+        <p:cNvGrpSpPr/>
+        <p:nvPr/>
+      </p:nvGrpSpPr>
+      <p:grpSpPr>
+        <a:xfrm>
+          <a:off x="0" y="0"/>
+          <a:ext cx="0" cy="0"/>
+          <a:chOff x="0" y="0"/>
+          <a:chExt cx="0" cy="0"/>
+        </a:xfrm>
+      </p:grpSpPr>
+      <p:pic>
+        <p:nvPicPr>
+          <p:cNvPr id="11" name="Picture 10">
+            <a:extLst>
+              <a:ext uri="{FF2B5EF4-FFF2-40B4-BE49-F238E27FC236}">
+                <a16:creationId xmlns:a16="http://schemas.microsoft.com/office/drawing/2014/main" id="{35F38F05-D3D8-1F43-A033-981FAA45A6CA}"/>
+              </a:ext>
+            </a:extLst>
+          </p:cNvPr>
+          <p:cNvPicPr>
+            <a:picLocks noChangeAspect="1"/>
+          </p:cNvPicPr>
+          <p:nvPr/>
+        </p:nvPicPr>
+        <p:blipFill>
+          <a:blip r:embed="rId3"/>
+          <a:stretch>
+            <a:fillRect/>
+          </a:stretch>
+        </p:blipFill>
+        <p:spPr>
+          <a:xfrm>
+            <a:off x="4870420" y="5107015"/>
+            <a:ext cx="7321580" cy="1608432"/>
+          </a:xfrm>
+          <a:prstGeom prst="rect">
+            <a:avLst/>
+          </a:prstGeom>
+        </p:spPr>
+      </p:pic>
+      <p:pic>
+        <p:nvPicPr>
+          <p:cNvPr id="10" name="Picture 9">
+            <a:extLst>
+              <a:ext uri="{FF2B5EF4-FFF2-40B4-BE49-F238E27FC236}">
+                <a16:creationId xmlns:a16="http://schemas.microsoft.com/office/drawing/2014/main" id="{E2942115-AEFD-3E41-B198-936012F33C72}"/>
+              </a:ext>
+            </a:extLst>
+          </p:cNvPr>
+          <p:cNvPicPr>
+            <a:picLocks noChangeAspect="1"/>
+          </p:cNvPicPr>
+          <p:nvPr/>
+        </p:nvPicPr>
+        <p:blipFill>
+          <a:blip r:embed="rId4"/>
+          <a:stretch>
+            <a:fillRect/>
+          </a:stretch>
+        </p:blipFill>
+        <p:spPr>
+          <a:xfrm>
+            <a:off x="4870420" y="3353573"/>
+            <a:ext cx="7321580" cy="2061862"/>
+          </a:xfrm>
+          <a:prstGeom prst="rect">
+            <a:avLst/>
+          </a:prstGeom>
+        </p:spPr>
+      </p:pic>
+      <p:pic>
+        <p:nvPicPr>
+          <p:cNvPr id="7" name="Picture 6">
+            <a:extLst>
+              <a:ext uri="{FF2B5EF4-FFF2-40B4-BE49-F238E27FC236}">
+                <a16:creationId xmlns:a16="http://schemas.microsoft.com/office/drawing/2014/main" id="{3F8B2310-6326-A941-959D-71F5D4316B5C}"/>
+              </a:ext>
+            </a:extLst>
+          </p:cNvPr>
+          <p:cNvPicPr>
+            <a:picLocks noChangeAspect="1"/>
+          </p:cNvPicPr>
+          <p:nvPr/>
+        </p:nvPicPr>
+        <p:blipFill>
+          <a:blip r:embed="rId5"/>
+          <a:stretch>
+            <a:fillRect/>
+          </a:stretch>
+        </p:blipFill>
+        <p:spPr>
+          <a:xfrm>
+            <a:off x="-412374" y="142553"/>
+            <a:ext cx="6229078" cy="6422040"/>
+          </a:xfrm>
+          <a:prstGeom prst="rect">
+            <a:avLst/>
+          </a:prstGeom>
+        </p:spPr>
+      </p:pic>
+      <p:sp>
+        <p:nvSpPr>
+          <p:cNvPr id="12" name="TextBox 11">
+            <a:extLst>
+              <a:ext uri="{FF2B5EF4-FFF2-40B4-BE49-F238E27FC236}">
+                <a16:creationId xmlns:a16="http://schemas.microsoft.com/office/drawing/2014/main" id="{370A22C4-2419-F743-9060-DD737068B940}"/>
+              </a:ext>
+            </a:extLst>
+          </p:cNvPr>
+          <p:cNvSpPr txBox="1"/>
+          <p:nvPr/>
+        </p:nvSpPr>
+        <p:spPr>
+          <a:xfrm>
+            <a:off x="8005482" y="2492188"/>
+            <a:ext cx="3092824" cy="646331"/>
+          </a:xfrm>
+          <a:prstGeom prst="rect">
+            <a:avLst/>
+          </a:prstGeom>
+          <a:noFill/>
+        </p:spPr>
+        <p:txBody>
+          <a:bodyPr wrap="square" rtlCol="0">
+            <a:spAutoFit/>
+          </a:bodyPr>
+          <a:lstStyle/>
+          <a:p>
+            <a:r>
+              <a:rPr lang="en-US" dirty="0"/>
+              <a:t>Other/Unknown will be treated as missing</a:t>
+            </a:r>
+          </a:p>
+        </p:txBody>
+      </p:sp>
+    </p:spTree>
+    <p:extLst>
+      <p:ext uri="{BB962C8B-B14F-4D97-AF65-F5344CB8AC3E}">
+        <p14:creationId xmlns:p14="http://schemas.microsoft.com/office/powerpoint/2010/main" val="2082589932"/>
+      </p:ext>
+    </p:extLst>
+  </p:cSld>
+  <p:clrMapOvr>
+    <a:masterClrMapping/>
+  </p:clrMapOvr>
+</p:sld>
+</file>
+
+<file path=ppt/slides/slide9.xml><?xml version="1.0" encoding="utf-8"?>
+<p:sld xmlns:a="http://schemas.openxmlformats.org/drawingml/2006/main" xmlns:r="http://schemas.openxmlformats.org/officeDocument/2006/relationships" xmlns:p="http://schemas.openxmlformats.org/presentationml/2006/main">
+  <p:cSld>
+    <p:spTree>
+      <p:nvGrpSpPr>
+        <p:cNvPr id="1" name=""/>
+        <p:cNvGrpSpPr/>
+        <p:nvPr/>
+      </p:nvGrpSpPr>
+      <p:grpSpPr>
+        <a:xfrm>
+          <a:off x="0" y="0"/>
+          <a:ext cx="0" cy="0"/>
+          <a:chOff x="0" y="0"/>
+          <a:chExt cx="0" cy="0"/>
+        </a:xfrm>
+      </p:grpSpPr>
+      <p:sp>
+        <p:nvSpPr>
+          <p:cNvPr id="2" name="Title 1">
+            <a:extLst>
+              <a:ext uri="{FF2B5EF4-FFF2-40B4-BE49-F238E27FC236}">
+                <a16:creationId xmlns:a16="http://schemas.microsoft.com/office/drawing/2014/main" id="{CEBE331A-BD2D-704C-9967-A6B30253C81E}"/>
+              </a:ext>
+            </a:extLst>
+          </p:cNvPr>
+          <p:cNvSpPr>
+            <a:spLocks noGrp="1"/>
+          </p:cNvSpPr>
+          <p:nvPr>
+            <p:ph type="title"/>
+          </p:nvPr>
+        </p:nvSpPr>
+        <p:spPr/>
+        <p:txBody>
+          <a:bodyPr/>
+          <a:lstStyle/>
+          <a:p>
+            <a:endParaRPr lang="en-US"/>
+          </a:p>
+        </p:txBody>
+      </p:sp>
+      <p:pic>
+        <p:nvPicPr>
+          <p:cNvPr id="4" name="Content Placeholder 3">
+            <a:extLst>
+              <a:ext uri="{FF2B5EF4-FFF2-40B4-BE49-F238E27FC236}">
+                <a16:creationId xmlns:a16="http://schemas.microsoft.com/office/drawing/2014/main" id="{16D68176-319D-2747-90FE-BFAB756F228D}"/>
+              </a:ext>
+            </a:extLst>
+          </p:cNvPr>
+          <p:cNvPicPr>
+            <a:picLocks noGrp="1" noChangeAspect="1"/>
+          </p:cNvPicPr>
+          <p:nvPr>
+            <p:ph idx="1"/>
+          </p:nvPr>
+        </p:nvPicPr>
+        <p:blipFill>
+          <a:blip r:embed="rId2"/>
+          <a:stretch>
+            <a:fillRect/>
+          </a:stretch>
+        </p:blipFill>
+        <p:spPr>
+          <a:xfrm>
+            <a:off x="5731810" y="4854575"/>
+            <a:ext cx="6286500" cy="1638300"/>
+          </a:xfrm>
+          <a:prstGeom prst="rect">
+            <a:avLst/>
+          </a:prstGeom>
+        </p:spPr>
+      </p:pic>
+      <p:sp>
+        <p:nvSpPr>
+          <p:cNvPr id="5" name="TextBox 4">
+            <a:extLst>
+              <a:ext uri="{FF2B5EF4-FFF2-40B4-BE49-F238E27FC236}">
+                <a16:creationId xmlns:a16="http://schemas.microsoft.com/office/drawing/2014/main" id="{C121EC9A-29EC-5641-B041-769C30B52220}"/>
+              </a:ext>
+            </a:extLst>
+          </p:cNvPr>
+          <p:cNvSpPr txBox="1"/>
+          <p:nvPr/>
+        </p:nvSpPr>
+        <p:spPr>
+          <a:xfrm>
+            <a:off x="7664824" y="4021183"/>
+            <a:ext cx="1613647" cy="646331"/>
+          </a:xfrm>
+          <a:prstGeom prst="rect">
+            <a:avLst/>
+          </a:prstGeom>
+          <a:noFill/>
+        </p:spPr>
+        <p:txBody>
+          <a:bodyPr wrap="square" rtlCol="0">
+            <a:spAutoFit/>
+          </a:bodyPr>
+          <a:lstStyle/>
+          <a:p>
+            <a:r>
+              <a:rPr lang="en-US" dirty="0"/>
+              <a:t>simple logistic regression</a:t>
+            </a:r>
+          </a:p>
+        </p:txBody>
+      </p:sp>
+      <p:sp>
+        <p:nvSpPr>
+          <p:cNvPr id="6" name="Rectangle 5">
+            <a:extLst>
+              <a:ext uri="{FF2B5EF4-FFF2-40B4-BE49-F238E27FC236}">
+                <a16:creationId xmlns:a16="http://schemas.microsoft.com/office/drawing/2014/main" id="{B4149D15-D65A-5946-B18F-C9A67E69D0C8}"/>
+              </a:ext>
+            </a:extLst>
+          </p:cNvPr>
+          <p:cNvSpPr/>
+          <p:nvPr/>
+        </p:nvSpPr>
+        <p:spPr>
+          <a:xfrm>
+            <a:off x="9750397" y="4021183"/>
+            <a:ext cx="1890274" cy="646331"/>
+          </a:xfrm>
+          <a:prstGeom prst="rect">
+            <a:avLst/>
+          </a:prstGeom>
+        </p:spPr>
+        <p:txBody>
+          <a:bodyPr wrap="square">
+            <a:spAutoFit/>
+          </a:bodyPr>
+          <a:lstStyle/>
+          <a:p>
+            <a:r>
+              <a:rPr lang="en-US" dirty="0"/>
+              <a:t>logistic regression using PSM</a:t>
+            </a:r>
+          </a:p>
+        </p:txBody>
+      </p:sp>
+      <p:pic>
+        <p:nvPicPr>
+          <p:cNvPr id="7" name="Picture 6">
+            <a:extLst>
+              <a:ext uri="{FF2B5EF4-FFF2-40B4-BE49-F238E27FC236}">
+                <a16:creationId xmlns:a16="http://schemas.microsoft.com/office/drawing/2014/main" id="{8D6952C9-8A9E-A44D-B57A-BC76F95EF220}"/>
+              </a:ext>
+            </a:extLst>
+          </p:cNvPr>
+          <p:cNvPicPr>
+            <a:picLocks noChangeAspect="1"/>
+          </p:cNvPicPr>
+          <p:nvPr/>
+        </p:nvPicPr>
+        <p:blipFill>
+          <a:blip r:embed="rId3"/>
+          <a:stretch>
+            <a:fillRect/>
+          </a:stretch>
+        </p:blipFill>
+        <p:spPr>
+          <a:xfrm>
+            <a:off x="0" y="365125"/>
+            <a:ext cx="8641851" cy="3163030"/>
+          </a:xfrm>
+          <a:prstGeom prst="rect">
+            <a:avLst/>
+          </a:prstGeom>
+        </p:spPr>
+      </p:pic>
+    </p:spTree>
+    <p:extLst>
+      <p:ext uri="{BB962C8B-B14F-4D97-AF65-F5344CB8AC3E}">
+        <p14:creationId xmlns:p14="http://schemas.microsoft.com/office/powerpoint/2010/main" val="3843048736"/>
       </p:ext>
     </p:extLst>
   </p:cSld>
@@ -4992,4 +6221,299 @@
     </a:ext>
   </a:extLst>
 </a:theme>
+</file>
+
+<file path=ppt/theme/theme2.xml><?xml version="1.0" encoding="utf-8"?>
+<a:theme xmlns:a="http://schemas.openxmlformats.org/drawingml/2006/main" name="Office Theme">
+  <a:themeElements>
+    <a:clrScheme name="Office">
+      <a:dk1>
+        <a:sysClr val="windowText" lastClr="000000"/>
+      </a:dk1>
+      <a:lt1>
+        <a:sysClr val="window" lastClr="FFFFFF"/>
+      </a:lt1>
+      <a:dk2>
+        <a:srgbClr val="44546A"/>
+      </a:dk2>
+      <a:lt2>
+        <a:srgbClr val="E7E6E6"/>
+      </a:lt2>
+      <a:accent1>
+        <a:srgbClr val="4472C4"/>
+      </a:accent1>
+      <a:accent2>
+        <a:srgbClr val="ED7D31"/>
+      </a:accent2>
+      <a:accent3>
+        <a:srgbClr val="A5A5A5"/>
+      </a:accent3>
+      <a:accent4>
+        <a:srgbClr val="FFC000"/>
+      </a:accent4>
+      <a:accent5>
+        <a:srgbClr val="5B9BD5"/>
+      </a:accent5>
+      <a:accent6>
+        <a:srgbClr val="70AD47"/>
+      </a:accent6>
+      <a:hlink>
+        <a:srgbClr val="0563C1"/>
+      </a:hlink>
+      <a:folHlink>
+        <a:srgbClr val="954F72"/>
+      </a:folHlink>
+    </a:clrScheme>
+    <a:fontScheme name="Office">
+      <a:majorFont>
+        <a:latin typeface="Calibri Light" panose="020F0302020204030204"/>
+        <a:ea typeface=""/>
+        <a:cs typeface=""/>
+        <a:font script="Jpan" typeface="游ゴシック Light"/>
+        <a:font script="Hang" typeface="맑은 고딕"/>
+        <a:font script="Hans" typeface="等线 Light"/>
+        <a:font script="Hant" typeface="新細明體"/>
+        <a:font script="Arab" typeface="Times New Roman"/>
+        <a:font script="Hebr" typeface="Times New Roman"/>
+        <a:font script="Thai" typeface="Angsana New"/>
+        <a:font script="Ethi" typeface="Nyala"/>
+        <a:font script="Beng" typeface="Vrinda"/>
+        <a:font script="Gujr" typeface="Shruti"/>
+        <a:font script="Khmr" typeface="MoolBoran"/>
+        <a:font script="Knda" typeface="Tunga"/>
+        <a:font script="Guru" typeface="Raavi"/>
+        <a:font script="Cans" typeface="Euphemia"/>
+        <a:font script="Cher" typeface="Plantagenet Cherokee"/>
+        <a:font script="Yiii" typeface="Microsoft Yi Baiti"/>
+        <a:font script="Tibt" typeface="Microsoft Himalaya"/>
+        <a:font script="Thaa" typeface="MV Boli"/>
+        <a:font script="Deva" typeface="Mangal"/>
+        <a:font script="Telu" typeface="Gautami"/>
+        <a:font script="Taml" typeface="Latha"/>
+        <a:font script="Syrc" typeface="Estrangelo Edessa"/>
+        <a:font script="Orya" typeface="Kalinga"/>
+        <a:font script="Mlym" typeface="Kartika"/>
+        <a:font script="Laoo" typeface="DokChampa"/>
+        <a:font script="Sinh" typeface="Iskoola Pota"/>
+        <a:font script="Mong" typeface="Mongolian Baiti"/>
+        <a:font script="Viet" typeface="Times New Roman"/>
+        <a:font script="Uigh" typeface="Microsoft Uighur"/>
+        <a:font script="Geor" typeface="Sylfaen"/>
+        <a:font script="Armn" typeface="Arial"/>
+        <a:font script="Bugi" typeface="Leelawadee UI"/>
+        <a:font script="Bopo" typeface="Microsoft JhengHei"/>
+        <a:font script="Java" typeface="Javanese Text"/>
+        <a:font script="Lisu" typeface="Segoe UI"/>
+        <a:font script="Mymr" typeface="Myanmar Text"/>
+        <a:font script="Nkoo" typeface="Ebrima"/>
+        <a:font script="Olck" typeface="Nirmala UI"/>
+        <a:font script="Osma" typeface="Ebrima"/>
+        <a:font script="Phag" typeface="Phagspa"/>
+        <a:font script="Syrn" typeface="Estrangelo Edessa"/>
+        <a:font script="Syrj" typeface="Estrangelo Edessa"/>
+        <a:font script="Syre" typeface="Estrangelo Edessa"/>
+        <a:font script="Sora" typeface="Nirmala UI"/>
+        <a:font script="Tale" typeface="Microsoft Tai Le"/>
+        <a:font script="Talu" typeface="Microsoft New Tai Lue"/>
+        <a:font script="Tfng" typeface="Ebrima"/>
+      </a:majorFont>
+      <a:minorFont>
+        <a:latin typeface="Calibri" panose="020F0502020204030204"/>
+        <a:ea typeface=""/>
+        <a:cs typeface=""/>
+        <a:font script="Jpan" typeface="游ゴシック"/>
+        <a:font script="Hang" typeface="맑은 고딕"/>
+        <a:font script="Hans" typeface="等线"/>
+        <a:font script="Hant" typeface="新細明體"/>
+        <a:font script="Arab" typeface="Arial"/>
+        <a:font script="Hebr" typeface="Arial"/>
+        <a:font script="Thai" typeface="Cordia New"/>
+        <a:font script="Ethi" typeface="Nyala"/>
+        <a:font script="Beng" typeface="Vrinda"/>
+        <a:font script="Gujr" typeface="Shruti"/>
+        <a:font script="Khmr" typeface="DaunPenh"/>
+        <a:font script="Knda" typeface="Tunga"/>
+        <a:font script="Guru" typeface="Raavi"/>
+        <a:font script="Cans" typeface="Euphemia"/>
+        <a:font script="Cher" typeface="Plantagenet Cherokee"/>
+        <a:font script="Yiii" typeface="Microsoft Yi Baiti"/>
+        <a:font script="Tibt" typeface="Microsoft Himalaya"/>
+        <a:font script="Thaa" typeface="MV Boli"/>
+        <a:font script="Deva" typeface="Mangal"/>
+        <a:font script="Telu" typeface="Gautami"/>
+        <a:font script="Taml" typeface="Latha"/>
+        <a:font script="Syrc" typeface="Estrangelo Edessa"/>
+        <a:font script="Orya" typeface="Kalinga"/>
+        <a:font script="Mlym" typeface="Kartika"/>
+        <a:font script="Laoo" typeface="DokChampa"/>
+        <a:font script="Sinh" typeface="Iskoola Pota"/>
+        <a:font script="Mong" typeface="Mongolian Baiti"/>
+        <a:font script="Viet" typeface="Arial"/>
+        <a:font script="Uigh" typeface="Microsoft Uighur"/>
+        <a:font script="Geor" typeface="Sylfaen"/>
+        <a:font script="Armn" typeface="Arial"/>
+        <a:font script="Bugi" typeface="Leelawadee UI"/>
+        <a:font script="Bopo" typeface="Microsoft JhengHei"/>
+        <a:font script="Java" typeface="Javanese Text"/>
+        <a:font script="Lisu" typeface="Segoe UI"/>
+        <a:font script="Mymr" typeface="Myanmar Text"/>
+        <a:font script="Nkoo" typeface="Ebrima"/>
+        <a:font script="Olck" typeface="Nirmala UI"/>
+        <a:font script="Osma" typeface="Ebrima"/>
+        <a:font script="Phag" typeface="Phagspa"/>
+        <a:font script="Syrn" typeface="Estrangelo Edessa"/>
+        <a:font script="Syrj" typeface="Estrangelo Edessa"/>
+        <a:font script="Syre" typeface="Estrangelo Edessa"/>
+        <a:font script="Sora" typeface="Nirmala UI"/>
+        <a:font script="Tale" typeface="Microsoft Tai Le"/>
+        <a:font script="Talu" typeface="Microsoft New Tai Lue"/>
+        <a:font script="Tfng" typeface="Ebrima"/>
+      </a:minorFont>
+    </a:fontScheme>
+    <a:fmtScheme name="Office">
+      <a:fillStyleLst>
+        <a:solidFill>
+          <a:schemeClr val="phClr"/>
+        </a:solidFill>
+        <a:gradFill rotWithShape="1">
+          <a:gsLst>
+            <a:gs pos="0">
+              <a:schemeClr val="phClr">
+                <a:lumMod val="110000"/>
+                <a:satMod val="105000"/>
+                <a:tint val="67000"/>
+              </a:schemeClr>
+            </a:gs>
+            <a:gs pos="50000">
+              <a:schemeClr val="phClr">
+                <a:lumMod val="105000"/>
+                <a:satMod val="103000"/>
+                <a:tint val="73000"/>
+              </a:schemeClr>
+            </a:gs>
+            <a:gs pos="100000">
+              <a:schemeClr val="phClr">
+                <a:lumMod val="105000"/>
+                <a:satMod val="109000"/>
+                <a:tint val="81000"/>
+              </a:schemeClr>
+            </a:gs>
+          </a:gsLst>
+          <a:lin ang="5400000" scaled="0"/>
+        </a:gradFill>
+        <a:gradFill rotWithShape="1">
+          <a:gsLst>
+            <a:gs pos="0">
+              <a:schemeClr val="phClr">
+                <a:satMod val="103000"/>
+                <a:lumMod val="102000"/>
+                <a:tint val="94000"/>
+              </a:schemeClr>
+            </a:gs>
+            <a:gs pos="50000">
+              <a:schemeClr val="phClr">
+                <a:satMod val="110000"/>
+                <a:lumMod val="100000"/>
+                <a:shade val="100000"/>
+              </a:schemeClr>
+            </a:gs>
+            <a:gs pos="100000">
+              <a:schemeClr val="phClr">
+                <a:lumMod val="99000"/>
+                <a:satMod val="120000"/>
+                <a:shade val="78000"/>
+              </a:schemeClr>
+            </a:gs>
+          </a:gsLst>
+          <a:lin ang="5400000" scaled="0"/>
+        </a:gradFill>
+      </a:fillStyleLst>
+      <a:lnStyleLst>
+        <a:ln w="6350" cap="flat" cmpd="sng" algn="ctr">
+          <a:solidFill>
+            <a:schemeClr val="phClr"/>
+          </a:solidFill>
+          <a:prstDash val="solid"/>
+          <a:miter lim="800000"/>
+        </a:ln>
+        <a:ln w="12700" cap="flat" cmpd="sng" algn="ctr">
+          <a:solidFill>
+            <a:schemeClr val="phClr"/>
+          </a:solidFill>
+          <a:prstDash val="solid"/>
+          <a:miter lim="800000"/>
+        </a:ln>
+        <a:ln w="19050" cap="flat" cmpd="sng" algn="ctr">
+          <a:solidFill>
+            <a:schemeClr val="phClr"/>
+          </a:solidFill>
+          <a:prstDash val="solid"/>
+          <a:miter lim="800000"/>
+        </a:ln>
+      </a:lnStyleLst>
+      <a:effectStyleLst>
+        <a:effectStyle>
+          <a:effectLst/>
+        </a:effectStyle>
+        <a:effectStyle>
+          <a:effectLst/>
+        </a:effectStyle>
+        <a:effectStyle>
+          <a:effectLst>
+            <a:outerShdw blurRad="57150" dist="19050" dir="5400000" algn="ctr" rotWithShape="0">
+              <a:srgbClr val="000000">
+                <a:alpha val="63000"/>
+              </a:srgbClr>
+            </a:outerShdw>
+          </a:effectLst>
+        </a:effectStyle>
+      </a:effectStyleLst>
+      <a:bgFillStyleLst>
+        <a:solidFill>
+          <a:schemeClr val="phClr"/>
+        </a:solidFill>
+        <a:solidFill>
+          <a:schemeClr val="phClr">
+            <a:tint val="95000"/>
+            <a:satMod val="170000"/>
+          </a:schemeClr>
+        </a:solidFill>
+        <a:gradFill rotWithShape="1">
+          <a:gsLst>
+            <a:gs pos="0">
+              <a:schemeClr val="phClr">
+                <a:tint val="93000"/>
+                <a:satMod val="150000"/>
+                <a:shade val="98000"/>
+                <a:lumMod val="102000"/>
+              </a:schemeClr>
+            </a:gs>
+            <a:gs pos="50000">
+              <a:schemeClr val="phClr">
+                <a:tint val="98000"/>
+                <a:satMod val="130000"/>
+                <a:shade val="90000"/>
+                <a:lumMod val="103000"/>
+              </a:schemeClr>
+            </a:gs>
+            <a:gs pos="100000">
+              <a:schemeClr val="phClr">
+                <a:shade val="63000"/>
+                <a:satMod val="120000"/>
+              </a:schemeClr>
+            </a:gs>
+          </a:gsLst>
+          <a:lin ang="5400000" scaled="0"/>
+        </a:gradFill>
+      </a:bgFillStyleLst>
+    </a:fmtScheme>
+  </a:themeElements>
+  <a:objectDefaults/>
+  <a:extraClrSchemeLst/>
+  <a:extLst>
+    <a:ext uri="{05A4C25C-085E-4340-85A3-A5531E510DB2}">
+      <thm15:themeFamily xmlns:thm15="http://schemas.microsoft.com/office/thememl/2012/main" name="Office Theme" id="{62F939B6-93AF-4DB8-9C6B-D6C7DFDC589F}" vid="{4A3C46E8-61CC-4603-A589-7422A47A8E4A}"/>
+    </a:ext>
+  </a:extLst>
+</a:theme>
 </file>
--- a/pre/Presentation1.pptx
+++ b/pre/Presentation1.pptx
@@ -5,7 +5,7 @@
     <p:sldMasterId id="2147483648" r:id="rId1"/>
   </p:sldMasterIdLst>
   <p:notesMasterIdLst>
-    <p:notesMasterId r:id="rId14"/>
+    <p:notesMasterId r:id="rId16"/>
   </p:notesMasterIdLst>
   <p:sldIdLst>
     <p:sldId id="256" r:id="rId2"/>
@@ -19,7 +19,9 @@
     <p:sldId id="264" r:id="rId10"/>
     <p:sldId id="265" r:id="rId11"/>
     <p:sldId id="267" r:id="rId12"/>
-    <p:sldId id="257" r:id="rId13"/>
+    <p:sldId id="268" r:id="rId13"/>
+    <p:sldId id="269" r:id="rId14"/>
+    <p:sldId id="257" r:id="rId15"/>
   </p:sldIdLst>
   <p:sldSz cx="12192000" cy="6858000"/>
   <p:notesSz cx="6858000" cy="9144000"/>
@@ -4053,12 +4055,8 @@
           <a:lstStyle/>
           <a:p>
             <a:r>
-              <a:rPr lang="en-US"/>
-              <a:t>One or two </a:t>
-            </a:r>
-            <a:r>
               <a:rPr lang="en-US" dirty="0"/>
-              <a:t>table</a:t>
+              <a:t>One or two table</a:t>
             </a:r>
           </a:p>
         </p:txBody>
@@ -4077,6 +4075,193 @@
 </file>
 
 <file path=ppt/slides/slide12.xml><?xml version="1.0" encoding="utf-8"?>
+<p:sld xmlns:a="http://schemas.openxmlformats.org/drawingml/2006/main" xmlns:r="http://schemas.openxmlformats.org/officeDocument/2006/relationships" xmlns:p="http://schemas.openxmlformats.org/presentationml/2006/main">
+  <p:cSld>
+    <p:spTree>
+      <p:nvGrpSpPr>
+        <p:cNvPr id="1" name=""/>
+        <p:cNvGrpSpPr/>
+        <p:nvPr/>
+      </p:nvGrpSpPr>
+      <p:grpSpPr>
+        <a:xfrm>
+          <a:off x="0" y="0"/>
+          <a:ext cx="0" cy="0"/>
+          <a:chOff x="0" y="0"/>
+          <a:chExt cx="0" cy="0"/>
+        </a:xfrm>
+      </p:grpSpPr>
+      <p:sp>
+        <p:nvSpPr>
+          <p:cNvPr id="2" name="Title 1">
+            <a:extLst>
+              <a:ext uri="{FF2B5EF4-FFF2-40B4-BE49-F238E27FC236}">
+                <a16:creationId xmlns:a16="http://schemas.microsoft.com/office/drawing/2014/main" id="{D0656BB8-D9C8-5442-A1D2-D74AD1B18725}"/>
+              </a:ext>
+            </a:extLst>
+          </p:cNvPr>
+          <p:cNvSpPr>
+            <a:spLocks noGrp="1"/>
+          </p:cNvSpPr>
+          <p:nvPr>
+            <p:ph type="title"/>
+          </p:nvPr>
+        </p:nvSpPr>
+        <p:spPr/>
+        <p:txBody>
+          <a:bodyPr/>
+          <a:lstStyle/>
+          <a:p>
+            <a:endParaRPr lang="en-US"/>
+          </a:p>
+        </p:txBody>
+      </p:sp>
+      <p:pic>
+        <p:nvPicPr>
+          <p:cNvPr id="4" name="Content Placeholder 3">
+            <a:extLst>
+              <a:ext uri="{FF2B5EF4-FFF2-40B4-BE49-F238E27FC236}">
+                <a16:creationId xmlns:a16="http://schemas.microsoft.com/office/drawing/2014/main" id="{D0531E94-C13B-2E47-9176-1D65ACFEF267}"/>
+              </a:ext>
+            </a:extLst>
+          </p:cNvPr>
+          <p:cNvPicPr>
+            <a:picLocks noGrp="1" noChangeAspect="1"/>
+          </p:cNvPicPr>
+          <p:nvPr>
+            <p:ph idx="1"/>
+          </p:nvPr>
+        </p:nvPicPr>
+        <p:blipFill>
+          <a:blip r:embed="rId2"/>
+          <a:stretch>
+            <a:fillRect/>
+          </a:stretch>
+        </p:blipFill>
+        <p:spPr>
+          <a:xfrm>
+            <a:off x="1744662" y="1825625"/>
+            <a:ext cx="8702676" cy="4351338"/>
+          </a:xfrm>
+          <a:prstGeom prst="rect">
+            <a:avLst/>
+          </a:prstGeom>
+        </p:spPr>
+      </p:pic>
+    </p:spTree>
+    <p:extLst>
+      <p:ext uri="{BB962C8B-B14F-4D97-AF65-F5344CB8AC3E}">
+        <p14:creationId xmlns:p14="http://schemas.microsoft.com/office/powerpoint/2010/main" val="3044612998"/>
+      </p:ext>
+    </p:extLst>
+  </p:cSld>
+  <p:clrMapOvr>
+    <a:masterClrMapping/>
+  </p:clrMapOvr>
+</p:sld>
+</file>
+
+<file path=ppt/slides/slide13.xml><?xml version="1.0" encoding="utf-8"?>
+<p:sld xmlns:a="http://schemas.openxmlformats.org/drawingml/2006/main" xmlns:r="http://schemas.openxmlformats.org/officeDocument/2006/relationships" xmlns:p="http://schemas.openxmlformats.org/presentationml/2006/main">
+  <p:cSld>
+    <p:spTree>
+      <p:nvGrpSpPr>
+        <p:cNvPr id="1" name=""/>
+        <p:cNvGrpSpPr/>
+        <p:nvPr/>
+      </p:nvGrpSpPr>
+      <p:grpSpPr>
+        <a:xfrm>
+          <a:off x="0" y="0"/>
+          <a:ext cx="0" cy="0"/>
+          <a:chOff x="0" y="0"/>
+          <a:chExt cx="0" cy="0"/>
+        </a:xfrm>
+      </p:grpSpPr>
+      <p:sp>
+        <p:nvSpPr>
+          <p:cNvPr id="2" name="Title 1">
+            <a:extLst>
+              <a:ext uri="{FF2B5EF4-FFF2-40B4-BE49-F238E27FC236}">
+                <a16:creationId xmlns:a16="http://schemas.microsoft.com/office/drawing/2014/main" id="{897C3DB2-E96C-6F47-B173-F44E52FD9781}"/>
+              </a:ext>
+            </a:extLst>
+          </p:cNvPr>
+          <p:cNvSpPr>
+            <a:spLocks noGrp="1"/>
+          </p:cNvSpPr>
+          <p:nvPr>
+            <p:ph type="title"/>
+          </p:nvPr>
+        </p:nvSpPr>
+        <p:spPr/>
+        <p:txBody>
+          <a:bodyPr/>
+          <a:lstStyle/>
+          <a:p>
+            <a:r>
+              <a:rPr lang="en-US" dirty="0"/>
+              <a:t>Check list</a:t>
+            </a:r>
+          </a:p>
+        </p:txBody>
+      </p:sp>
+      <p:sp>
+        <p:nvSpPr>
+          <p:cNvPr id="3" name="Content Placeholder 2">
+            <a:extLst>
+              <a:ext uri="{FF2B5EF4-FFF2-40B4-BE49-F238E27FC236}">
+                <a16:creationId xmlns:a16="http://schemas.microsoft.com/office/drawing/2014/main" id="{F311A1CE-4D2D-4042-98EC-B3F408E52034}"/>
+              </a:ext>
+            </a:extLst>
+          </p:cNvPr>
+          <p:cNvSpPr>
+            <a:spLocks noGrp="1"/>
+          </p:cNvSpPr>
+          <p:nvPr>
+            <p:ph idx="1"/>
+          </p:nvPr>
+        </p:nvSpPr>
+        <p:spPr/>
+        <p:txBody>
+          <a:bodyPr/>
+          <a:lstStyle/>
+          <a:p>
+            <a:r>
+              <a:rPr lang="en-US" dirty="0"/>
+              <a:t>What comorbidity will be used? Whether to use </a:t>
+            </a:r>
+            <a:r>
+              <a:rPr lang="en-US" dirty="0" err="1"/>
+              <a:t>Charlson</a:t>
+            </a:r>
+            <a:r>
+              <a:rPr lang="en-US" dirty="0"/>
+              <a:t> comorbidity index.</a:t>
+            </a:r>
+          </a:p>
+          <a:p>
+            <a:endParaRPr lang="en-US"/>
+          </a:p>
+          <a:p>
+            <a:endParaRPr lang="en-US"/>
+          </a:p>
+        </p:txBody>
+      </p:sp>
+    </p:spTree>
+    <p:extLst>
+      <p:ext uri="{BB962C8B-B14F-4D97-AF65-F5344CB8AC3E}">
+        <p14:creationId xmlns:p14="http://schemas.microsoft.com/office/powerpoint/2010/main" val="1847955115"/>
+      </p:ext>
+    </p:extLst>
+  </p:cSld>
+  <p:clrMapOvr>
+    <a:masterClrMapping/>
+  </p:clrMapOvr>
+</p:sld>
+</file>
+
+<file path=ppt/slides/slide14.xml><?xml version="1.0" encoding="utf-8"?>
 <p:sld xmlns:a="http://schemas.openxmlformats.org/drawingml/2006/main" xmlns:r="http://schemas.openxmlformats.org/officeDocument/2006/relationships" xmlns:p="http://schemas.openxmlformats.org/presentationml/2006/main">
   <p:cSld>
     <p:spTree>
